--- a/BUSINESS/Completion_Presentation_V1.0.pptx
+++ b/BUSINESS/Completion_Presentation_V1.0.pptx
@@ -8,15 +8,13 @@
     <p:sldId id="256" r:id="rId2"/>
     <p:sldId id="261" r:id="rId3"/>
     <p:sldId id="262" r:id="rId4"/>
-    <p:sldId id="264" r:id="rId5"/>
-    <p:sldId id="263" r:id="rId6"/>
-    <p:sldId id="266" r:id="rId7"/>
-    <p:sldId id="265" r:id="rId8"/>
-    <p:sldId id="267" r:id="rId9"/>
-    <p:sldId id="258" r:id="rId10"/>
-    <p:sldId id="259" r:id="rId11"/>
-    <p:sldId id="260" r:id="rId12"/>
-    <p:sldId id="268" r:id="rId13"/>
+    <p:sldId id="263" r:id="rId5"/>
+    <p:sldId id="269" r:id="rId6"/>
+    <p:sldId id="265" r:id="rId7"/>
+    <p:sldId id="267" r:id="rId8"/>
+    <p:sldId id="258" r:id="rId9"/>
+    <p:sldId id="271" r:id="rId10"/>
+    <p:sldId id="268" r:id="rId11"/>
   </p:sldIdLst>
   <p:sldSz cx="12192000" cy="6858000"/>
   <p:notesSz cx="6858000" cy="9144000"/>
@@ -115,6 +113,11 @@
       </a:defRPr>
     </a:lvl9pPr>
   </p:defaultTextStyle>
+  <p:extLst>
+    <p:ext uri="{EFAFB233-063F-42B5-8137-9DF3F51BA10A}">
+      <p15:sldGuideLst xmlns:p15="http://schemas.microsoft.com/office/powerpoint/2012/main"/>
+    </p:ext>
+  </p:extLst>
 </p:presentation>
 </file>
 
@@ -249,7 +252,7 @@
           <a:p>
             <a:fld id="{85C12A6E-B162-450B-8D57-507CDABC9866}" type="datetimeFigureOut">
               <a:rPr lang="en-US" smtClean="0"/>
-              <a:t>7/23/2015</a:t>
+              <a:t>7/24/2015</a:t>
             </a:fld>
             <a:endParaRPr lang="en-US"/>
           </a:p>
@@ -419,7 +422,7 @@
           <a:p>
             <a:fld id="{85C12A6E-B162-450B-8D57-507CDABC9866}" type="datetimeFigureOut">
               <a:rPr lang="en-US" smtClean="0"/>
-              <a:t>7/23/2015</a:t>
+              <a:t>7/24/2015</a:t>
             </a:fld>
             <a:endParaRPr lang="en-US"/>
           </a:p>
@@ -599,7 +602,7 @@
           <a:p>
             <a:fld id="{85C12A6E-B162-450B-8D57-507CDABC9866}" type="datetimeFigureOut">
               <a:rPr lang="en-US" smtClean="0"/>
-              <a:t>7/23/2015</a:t>
+              <a:t>7/24/2015</a:t>
             </a:fld>
             <a:endParaRPr lang="en-US"/>
           </a:p>
@@ -769,7 +772,7 @@
           <a:p>
             <a:fld id="{85C12A6E-B162-450B-8D57-507CDABC9866}" type="datetimeFigureOut">
               <a:rPr lang="en-US" smtClean="0"/>
-              <a:t>7/23/2015</a:t>
+              <a:t>7/24/2015</a:t>
             </a:fld>
             <a:endParaRPr lang="en-US"/>
           </a:p>
@@ -1015,7 +1018,7 @@
           <a:p>
             <a:fld id="{85C12A6E-B162-450B-8D57-507CDABC9866}" type="datetimeFigureOut">
               <a:rPr lang="en-US" smtClean="0"/>
-              <a:t>7/23/2015</a:t>
+              <a:t>7/24/2015</a:t>
             </a:fld>
             <a:endParaRPr lang="en-US"/>
           </a:p>
@@ -1247,7 +1250,7 @@
           <a:p>
             <a:fld id="{85C12A6E-B162-450B-8D57-507CDABC9866}" type="datetimeFigureOut">
               <a:rPr lang="en-US" smtClean="0"/>
-              <a:t>7/23/2015</a:t>
+              <a:t>7/24/2015</a:t>
             </a:fld>
             <a:endParaRPr lang="en-US"/>
           </a:p>
@@ -1614,7 +1617,7 @@
           <a:p>
             <a:fld id="{85C12A6E-B162-450B-8D57-507CDABC9866}" type="datetimeFigureOut">
               <a:rPr lang="en-US" smtClean="0"/>
-              <a:t>7/23/2015</a:t>
+              <a:t>7/24/2015</a:t>
             </a:fld>
             <a:endParaRPr lang="en-US"/>
           </a:p>
@@ -1732,7 +1735,7 @@
           <a:p>
             <a:fld id="{85C12A6E-B162-450B-8D57-507CDABC9866}" type="datetimeFigureOut">
               <a:rPr lang="en-US" smtClean="0"/>
-              <a:t>7/23/2015</a:t>
+              <a:t>7/24/2015</a:t>
             </a:fld>
             <a:endParaRPr lang="en-US"/>
           </a:p>
@@ -1827,7 +1830,7 @@
           <a:p>
             <a:fld id="{85C12A6E-B162-450B-8D57-507CDABC9866}" type="datetimeFigureOut">
               <a:rPr lang="en-US" smtClean="0"/>
-              <a:t>7/23/2015</a:t>
+              <a:t>7/24/2015</a:t>
             </a:fld>
             <a:endParaRPr lang="en-US"/>
           </a:p>
@@ -2104,7 +2107,7 @@
           <a:p>
             <a:fld id="{85C12A6E-B162-450B-8D57-507CDABC9866}" type="datetimeFigureOut">
               <a:rPr lang="en-US" smtClean="0"/>
-              <a:t>7/23/2015</a:t>
+              <a:t>7/24/2015</a:t>
             </a:fld>
             <a:endParaRPr lang="en-US"/>
           </a:p>
@@ -2357,7 +2360,7 @@
           <a:p>
             <a:fld id="{85C12A6E-B162-450B-8D57-507CDABC9866}" type="datetimeFigureOut">
               <a:rPr lang="en-US" smtClean="0"/>
-              <a:t>7/23/2015</a:t>
+              <a:t>7/24/2015</a:t>
             </a:fld>
             <a:endParaRPr lang="en-US"/>
           </a:p>
@@ -2570,7 +2573,7 @@
           <a:p>
             <a:fld id="{85C12A6E-B162-450B-8D57-507CDABC9866}" type="datetimeFigureOut">
               <a:rPr lang="en-US" smtClean="0"/>
-              <a:t>7/23/2015</a:t>
+              <a:t>7/24/2015</a:t>
             </a:fld>
             <a:endParaRPr lang="en-US"/>
           </a:p>
@@ -3413,403 +3416,6 @@
         </p:blipFill>
         <p:spPr>
           <a:xfrm>
-            <a:off x="0" y="0"/>
-            <a:ext cx="12192000" cy="6873587"/>
-          </a:xfrm>
-          <a:prstGeom prst="rect">
-            <a:avLst/>
-          </a:prstGeom>
-        </p:spPr>
-      </p:pic>
-      <p:sp>
-        <p:nvSpPr>
-          <p:cNvPr id="2" name="Title 1"/>
-          <p:cNvSpPr>
-            <a:spLocks noGrp="1"/>
-          </p:cNvSpPr>
-          <p:nvPr>
-            <p:ph type="title"/>
-          </p:nvPr>
-        </p:nvSpPr>
-        <p:spPr>
-          <a:xfrm>
-            <a:off x="838200" y="157308"/>
-            <a:ext cx="10515600" cy="861002"/>
-          </a:xfrm>
-        </p:spPr>
-        <p:txBody>
-          <a:bodyPr/>
-          <a:lstStyle/>
-          <a:p>
-            <a:r>
-              <a:rPr lang="en-US" dirty="0" smtClean="0">
-                <a:solidFill>
-                  <a:schemeClr val="bg2"/>
-                </a:solidFill>
-                <a:latin typeface="Algerian" panose="04020705040A02060702" pitchFamily="82" charset="0"/>
-              </a:rPr>
-              <a:t>Business plan</a:t>
-            </a:r>
-            <a:endParaRPr lang="en-US" dirty="0">
-              <a:solidFill>
-                <a:schemeClr val="bg2"/>
-              </a:solidFill>
-              <a:latin typeface="Algerian" panose="04020705040A02060702" pitchFamily="82" charset="0"/>
-            </a:endParaRPr>
-          </a:p>
-        </p:txBody>
-      </p:sp>
-      <p:sp>
-        <p:nvSpPr>
-          <p:cNvPr id="3" name="Content Placeholder 2"/>
-          <p:cNvSpPr>
-            <a:spLocks noGrp="1"/>
-          </p:cNvSpPr>
-          <p:nvPr>
-            <p:ph idx="1"/>
-          </p:nvPr>
-        </p:nvSpPr>
-        <p:spPr>
-          <a:xfrm>
-            <a:off x="1004455" y="1616796"/>
-            <a:ext cx="10515600" cy="3639993"/>
-          </a:xfrm>
-        </p:spPr>
-        <p:txBody>
-          <a:bodyPr>
-            <a:normAutofit fontScale="92500" lnSpcReduction="20000"/>
-          </a:bodyPr>
-          <a:lstStyle/>
-          <a:p>
-            <a:pPr marL="0" indent="0">
-              <a:buNone/>
-            </a:pPr>
-            <a:r>
-              <a:rPr lang="en-US" b="1" dirty="0" smtClean="0">
-                <a:latin typeface="Baskerville Old Face" panose="02020602080505020303" pitchFamily="18" charset="0"/>
-              </a:rPr>
-              <a:t>Application can: </a:t>
-            </a:r>
-          </a:p>
-          <a:p>
-            <a:pPr marL="0" indent="0">
-              <a:buNone/>
-            </a:pPr>
-            <a:endParaRPr lang="en-US" b="1" dirty="0" smtClean="0">
-              <a:latin typeface="Baskerville Old Face" panose="02020602080505020303" pitchFamily="18" charset="0"/>
-            </a:endParaRPr>
-          </a:p>
-          <a:p>
-            <a:r>
-              <a:rPr lang="en-US" dirty="0" smtClean="0">
-                <a:latin typeface="Baskerville Old Face" panose="02020602080505020303" pitchFamily="18" charset="0"/>
-              </a:rPr>
-              <a:t>Solve Pipeline issues</a:t>
-            </a:r>
-          </a:p>
-          <a:p>
-            <a:endParaRPr lang="en-US" dirty="0">
-              <a:latin typeface="Baskerville Old Face" panose="02020602080505020303" pitchFamily="18" charset="0"/>
-            </a:endParaRPr>
-          </a:p>
-          <a:p>
-            <a:r>
-              <a:rPr lang="en-US" dirty="0" smtClean="0">
-                <a:latin typeface="Baskerville Old Face" panose="02020602080505020303" pitchFamily="18" charset="0"/>
-              </a:rPr>
-              <a:t>Increase marketing possibilities </a:t>
-            </a:r>
-          </a:p>
-          <a:p>
-            <a:endParaRPr lang="en-US" dirty="0" smtClean="0">
-              <a:latin typeface="Baskerville Old Face" panose="02020602080505020303" pitchFamily="18" charset="0"/>
-            </a:endParaRPr>
-          </a:p>
-          <a:p>
-            <a:r>
-              <a:rPr lang="en-US" dirty="0" smtClean="0">
-                <a:latin typeface="Baskerville Old Face" panose="02020602080505020303" pitchFamily="18" charset="0"/>
-              </a:rPr>
-              <a:t>Improve motivation</a:t>
-            </a:r>
-            <a:endParaRPr lang="en-US" dirty="0">
-              <a:latin typeface="Baskerville Old Face" panose="02020602080505020303" pitchFamily="18" charset="0"/>
-            </a:endParaRPr>
-          </a:p>
-          <a:p>
-            <a:endParaRPr lang="en-US" dirty="0">
-              <a:latin typeface="Baskerville Old Face" panose="02020602080505020303" pitchFamily="18" charset="0"/>
-            </a:endParaRPr>
-          </a:p>
-          <a:p>
-            <a:r>
-              <a:rPr lang="en-US" dirty="0" smtClean="0">
-                <a:latin typeface="Baskerville Old Face" panose="02020602080505020303" pitchFamily="18" charset="0"/>
-              </a:rPr>
-              <a:t>Earn good wil</a:t>
-            </a:r>
-            <a:r>
-              <a:rPr lang="en-US" dirty="0">
-                <a:latin typeface="Baskerville Old Face" panose="02020602080505020303" pitchFamily="18" charset="0"/>
-              </a:rPr>
-              <a:t>l</a:t>
-            </a:r>
-            <a:endParaRPr lang="en-US" dirty="0" smtClean="0">
-              <a:latin typeface="Baskerville Old Face" panose="02020602080505020303" pitchFamily="18" charset="0"/>
-            </a:endParaRPr>
-          </a:p>
-        </p:txBody>
-      </p:sp>
-    </p:spTree>
-    <p:extLst>
-      <p:ext uri="{BB962C8B-B14F-4D97-AF65-F5344CB8AC3E}">
-        <p14:creationId xmlns:p14="http://schemas.microsoft.com/office/powerpoint/2010/main" val="3693861810"/>
-      </p:ext>
-    </p:extLst>
-  </p:cSld>
-  <p:clrMapOvr>
-    <a:masterClrMapping/>
-  </p:clrMapOvr>
-</p:sld>
-</file>
-
-<file path=ppt/slides/slide11.xml><?xml version="1.0" encoding="utf-8"?>
-<p:sld xmlns:a="http://schemas.openxmlformats.org/drawingml/2006/main" xmlns:r="http://schemas.openxmlformats.org/officeDocument/2006/relationships" xmlns:p="http://schemas.openxmlformats.org/presentationml/2006/main">
-  <p:cSld>
-    <p:spTree>
-      <p:nvGrpSpPr>
-        <p:cNvPr id="1" name=""/>
-        <p:cNvGrpSpPr/>
-        <p:nvPr/>
-      </p:nvGrpSpPr>
-      <p:grpSpPr>
-        <a:xfrm>
-          <a:off x="0" y="0"/>
-          <a:ext cx="0" cy="0"/>
-          <a:chOff x="0" y="0"/>
-          <a:chExt cx="0" cy="0"/>
-        </a:xfrm>
-      </p:grpSpPr>
-      <p:pic>
-        <p:nvPicPr>
-          <p:cNvPr id="4" name="Picture 3"/>
-          <p:cNvPicPr>
-            <a:picLocks noChangeAspect="1"/>
-          </p:cNvPicPr>
-          <p:nvPr/>
-        </p:nvPicPr>
-        <p:blipFill>
-          <a:blip r:embed="rId2">
-            <a:extLst>
-              <a:ext uri="{28A0092B-C50C-407E-A947-70E740481C1C}">
-                <a14:useLocalDpi xmlns:a14="http://schemas.microsoft.com/office/drawing/2010/main" val="0"/>
-              </a:ext>
-            </a:extLst>
-          </a:blip>
-          <a:stretch>
-            <a:fillRect/>
-          </a:stretch>
-        </p:blipFill>
-        <p:spPr>
-          <a:xfrm>
-            <a:off x="0" y="0"/>
-            <a:ext cx="12192000" cy="6873587"/>
-          </a:xfrm>
-          <a:prstGeom prst="rect">
-            <a:avLst/>
-          </a:prstGeom>
-        </p:spPr>
-      </p:pic>
-      <p:sp>
-        <p:nvSpPr>
-          <p:cNvPr id="3" name="Content Placeholder 2"/>
-          <p:cNvSpPr>
-            <a:spLocks noGrp="1"/>
-          </p:cNvSpPr>
-          <p:nvPr>
-            <p:ph idx="1"/>
-          </p:nvPr>
-        </p:nvSpPr>
-        <p:spPr/>
-        <p:txBody>
-          <a:bodyPr/>
-          <a:lstStyle/>
-          <a:p>
-            <a:r>
-              <a:rPr lang="en-US" dirty="0" smtClean="0">
-                <a:latin typeface="Stencil" panose="040409050D0802020404" pitchFamily="82" charset="0"/>
-              </a:rPr>
-              <a:t>Secondary sources of revenue: </a:t>
-            </a:r>
-          </a:p>
-          <a:p>
-            <a:pPr marL="0" indent="0">
-              <a:buNone/>
-            </a:pPr>
-            <a:r>
-              <a:rPr lang="en-US" dirty="0" smtClean="0">
-                <a:latin typeface="Baskerville Old Face" panose="02020602080505020303" pitchFamily="18" charset="0"/>
-              </a:rPr>
-              <a:t>Entertainment games (full price model), generated with maintained IP.</a:t>
-            </a:r>
-          </a:p>
-          <a:p>
-            <a:pPr marL="0" indent="0">
-              <a:buNone/>
-            </a:pPr>
-            <a:endParaRPr lang="en-US" dirty="0">
-              <a:latin typeface="Baskerville Old Face" panose="02020602080505020303" pitchFamily="18" charset="0"/>
-            </a:endParaRPr>
-          </a:p>
-          <a:p>
-            <a:pPr marL="0" indent="0">
-              <a:buNone/>
-            </a:pPr>
-            <a:r>
-              <a:rPr lang="en-US" dirty="0" smtClean="0">
-                <a:latin typeface="Baskerville Old Face" panose="02020602080505020303" pitchFamily="18" charset="0"/>
-              </a:rPr>
-              <a:t>(rework the business plan part, needs to be compact)</a:t>
-            </a:r>
-            <a:br>
-              <a:rPr lang="en-US" dirty="0" smtClean="0">
-                <a:latin typeface="Baskerville Old Face" panose="02020602080505020303" pitchFamily="18" charset="0"/>
-              </a:rPr>
-            </a:br>
-            <a:r>
-              <a:rPr lang="en-US" dirty="0" smtClean="0">
-                <a:latin typeface="Baskerville Old Face" panose="02020602080505020303" pitchFamily="18" charset="0"/>
-              </a:rPr>
-              <a:t/>
-            </a:r>
-            <a:br>
-              <a:rPr lang="en-US" dirty="0" smtClean="0">
-                <a:latin typeface="Baskerville Old Face" panose="02020602080505020303" pitchFamily="18" charset="0"/>
-              </a:rPr>
-            </a:br>
-            <a:r>
-              <a:rPr lang="en-US" dirty="0" smtClean="0">
-                <a:latin typeface="Baskerville Old Face" panose="02020602080505020303" pitchFamily="18" charset="0"/>
-              </a:rPr>
-              <a:t>1 minute tops. </a:t>
-            </a:r>
-            <a:endParaRPr lang="en-US" dirty="0">
-              <a:latin typeface="Baskerville Old Face" panose="02020602080505020303" pitchFamily="18" charset="0"/>
-            </a:endParaRPr>
-          </a:p>
-        </p:txBody>
-      </p:sp>
-      <p:sp>
-        <p:nvSpPr>
-          <p:cNvPr id="5" name="Title 1"/>
-          <p:cNvSpPr txBox="1">
-            <a:spLocks/>
-          </p:cNvSpPr>
-          <p:nvPr/>
-        </p:nvSpPr>
-        <p:spPr>
-          <a:xfrm>
-            <a:off x="838200" y="157308"/>
-            <a:ext cx="10515600" cy="861002"/>
-          </a:xfrm>
-          <a:prstGeom prst="rect">
-            <a:avLst/>
-          </a:prstGeom>
-        </p:spPr>
-        <p:txBody>
-          <a:bodyPr vert="horz" lIns="91440" tIns="45720" rIns="91440" bIns="45720" rtlCol="0" anchor="ctr">
-            <a:normAutofit/>
-          </a:bodyPr>
-          <a:lstStyle>
-            <a:lvl1pPr algn="l" defTabSz="914400" rtl="0" eaLnBrk="1" latinLnBrk="0" hangingPunct="1">
-              <a:lnSpc>
-                <a:spcPct val="90000"/>
-              </a:lnSpc>
-              <a:spcBef>
-                <a:spcPct val="0"/>
-              </a:spcBef>
-              <a:buNone/>
-              <a:defRPr sz="4400" kern="1200">
-                <a:solidFill>
-                  <a:schemeClr val="tx1"/>
-                </a:solidFill>
-                <a:latin typeface="+mj-lt"/>
-                <a:ea typeface="+mj-ea"/>
-                <a:cs typeface="+mj-cs"/>
-              </a:defRPr>
-            </a:lvl1pPr>
-          </a:lstStyle>
-          <a:p>
-            <a:r>
-              <a:rPr lang="en-US" smtClean="0">
-                <a:solidFill>
-                  <a:schemeClr val="bg2"/>
-                </a:solidFill>
-                <a:latin typeface="Algerian" panose="04020705040A02060702" pitchFamily="82" charset="0"/>
-              </a:rPr>
-              <a:t>Business plan</a:t>
-            </a:r>
-            <a:endParaRPr lang="en-US" dirty="0">
-              <a:solidFill>
-                <a:schemeClr val="bg2"/>
-              </a:solidFill>
-              <a:latin typeface="Algerian" panose="04020705040A02060702" pitchFamily="82" charset="0"/>
-            </a:endParaRPr>
-          </a:p>
-        </p:txBody>
-      </p:sp>
-    </p:spTree>
-    <p:extLst>
-      <p:ext uri="{BB962C8B-B14F-4D97-AF65-F5344CB8AC3E}">
-        <p14:creationId xmlns:p14="http://schemas.microsoft.com/office/powerpoint/2010/main" val="216842706"/>
-      </p:ext>
-    </p:extLst>
-  </p:cSld>
-  <p:clrMapOvr>
-    <a:masterClrMapping/>
-  </p:clrMapOvr>
-</p:sld>
-</file>
-
-<file path=ppt/slides/slide12.xml><?xml version="1.0" encoding="utf-8"?>
-<p:sld xmlns:a="http://schemas.openxmlformats.org/drawingml/2006/main" xmlns:r="http://schemas.openxmlformats.org/officeDocument/2006/relationships" xmlns:p="http://schemas.openxmlformats.org/presentationml/2006/main">
-  <p:cSld>
-    <p:spTree>
-      <p:nvGrpSpPr>
-        <p:cNvPr id="1" name=""/>
-        <p:cNvGrpSpPr/>
-        <p:nvPr/>
-      </p:nvGrpSpPr>
-      <p:grpSpPr>
-        <a:xfrm>
-          <a:off x="0" y="0"/>
-          <a:ext cx="0" cy="0"/>
-          <a:chOff x="0" y="0"/>
-          <a:chExt cx="0" cy="0"/>
-        </a:xfrm>
-      </p:grpSpPr>
-      <p:pic>
-        <p:nvPicPr>
-          <p:cNvPr id="4" name="Picture 3"/>
-          <p:cNvPicPr>
-            <a:picLocks noChangeAspect="1"/>
-          </p:cNvPicPr>
-          <p:nvPr/>
-        </p:nvPicPr>
-        <p:blipFill>
-          <a:blip r:embed="rId2">
-            <a:extLst>
-              <a:ext uri="{28A0092B-C50C-407E-A947-70E740481C1C}">
-                <a14:useLocalDpi xmlns:a14="http://schemas.microsoft.com/office/drawing/2010/main" val="0"/>
-              </a:ext>
-            </a:extLst>
-          </a:blip>
-          <a:stretch>
-            <a:fillRect/>
-          </a:stretch>
-        </p:blipFill>
-        <p:spPr>
-          <a:xfrm>
             <a:off x="0" y="-1"/>
             <a:ext cx="12192000" cy="6873587"/>
           </a:xfrm>
@@ -3893,14 +3499,11 @@
               <a:rPr lang="en-US" sz="5400" dirty="0" smtClean="0">
                 <a:latin typeface="Stencil" panose="040409050D0802020404" pitchFamily="82" charset="0"/>
               </a:rPr>
-              <a:t>“</a:t>
-            </a:r>
-            <a:r>
-              <a:rPr lang="en-US" sz="5400" b="1" dirty="0" smtClean="0">
-                <a:latin typeface="Stencil" panose="040409050D0802020404" pitchFamily="82" charset="0"/>
-              </a:rPr>
-              <a:t>The dumb tower”</a:t>
-            </a:r>
+              <a:t>Thank you for listening!</a:t>
+            </a:r>
+            <a:endParaRPr lang="en-US" sz="5400" b="1" dirty="0" smtClean="0">
+              <a:latin typeface="Stencil" panose="040409050D0802020404" pitchFamily="82" charset="0"/>
+            </a:endParaRPr>
           </a:p>
           <a:p>
             <a:endParaRPr lang="en-US" sz="1200" b="1" dirty="0" smtClean="0">
@@ -3948,10 +3551,10 @@
                 </a:solidFill>
                 <a:latin typeface="Stencil" panose="040409050D0802020404" pitchFamily="82" charset="0"/>
               </a:rPr>
-              <a:t> – Design</a:t>
-            </a:r>
-            <a:r>
-              <a:rPr lang="en-US" sz="1800" dirty="0" smtClean="0">
+              <a:t> – </a:t>
+            </a:r>
+            <a:r>
+              <a:rPr lang="en-US" sz="1800" b="1" dirty="0" smtClean="0">
                 <a:solidFill>
                   <a:schemeClr val="tx1">
                     <a:lumMod val="85000"/>
@@ -3960,9 +3563,9 @@
                 </a:solidFill>
                 <a:latin typeface="Stencil" panose="040409050D0802020404" pitchFamily="82" charset="0"/>
               </a:rPr>
-              <a:t/>
-            </a:r>
-            <a:br>
+              <a:t>Design/programming</a:t>
+            </a:r>
+            <a:r>
               <a:rPr lang="en-US" sz="1800" dirty="0" smtClean="0">
                 <a:solidFill>
                   <a:schemeClr val="tx1">
@@ -3972,9 +3575,10 @@
                 </a:solidFill>
                 <a:latin typeface="Stencil" panose="040409050D0802020404" pitchFamily="82" charset="0"/>
               </a:rPr>
-            </a:br>
-            <a:r>
-              <a:rPr lang="en-US" sz="1800" b="1" dirty="0" err="1" smtClean="0">
+              <a:t/>
+            </a:r>
+            <a:br>
+              <a:rPr lang="en-US" sz="1800" dirty="0" smtClean="0">
                 <a:solidFill>
                   <a:schemeClr val="tx1">
                     <a:lumMod val="85000"/>
@@ -3983,10 +3587,9 @@
                 </a:solidFill>
                 <a:latin typeface="Stencil" panose="040409050D0802020404" pitchFamily="82" charset="0"/>
               </a:rPr>
-              <a:t>Huib</a:t>
-            </a:r>
-            <a:r>
-              <a:rPr lang="en-US" sz="1800" b="1" dirty="0" smtClean="0">
+            </a:br>
+            <a:r>
+              <a:rPr lang="en-US" sz="1800" b="1" dirty="0" err="1" smtClean="0">
                 <a:solidFill>
                   <a:schemeClr val="tx1">
                     <a:lumMod val="85000"/>
@@ -3995,10 +3598,10 @@
                 </a:solidFill>
                 <a:latin typeface="Stencil" panose="040409050D0802020404" pitchFamily="82" charset="0"/>
               </a:rPr>
-              <a:t> van </a:t>
-            </a:r>
-            <a:r>
-              <a:rPr lang="en-US" sz="1800" b="1" dirty="0" err="1" smtClean="0">
+              <a:t>Huib</a:t>
+            </a:r>
+            <a:r>
+              <a:rPr lang="en-US" sz="1800" b="1" dirty="0" smtClean="0">
                 <a:solidFill>
                   <a:schemeClr val="tx1">
                     <a:lumMod val="85000"/>
@@ -4007,10 +3610,10 @@
                 </a:solidFill>
                 <a:latin typeface="Stencil" panose="040409050D0802020404" pitchFamily="82" charset="0"/>
               </a:rPr>
-              <a:t>Leeuwen</a:t>
-            </a:r>
-            <a:r>
-              <a:rPr lang="en-US" sz="1800" b="1" dirty="0" smtClean="0">
+              <a:t> van </a:t>
+            </a:r>
+            <a:r>
+              <a:rPr lang="en-US" sz="1800" b="1" dirty="0" err="1" smtClean="0">
                 <a:solidFill>
                   <a:schemeClr val="tx1">
                     <a:lumMod val="85000"/>
@@ -4019,10 +3622,10 @@
                 </a:solidFill>
                 <a:latin typeface="Stencil" panose="040409050D0802020404" pitchFamily="82" charset="0"/>
               </a:rPr>
-              <a:t> – Art</a:t>
-            </a:r>
-            <a:r>
-              <a:rPr lang="en-US" sz="1800" b="1" dirty="0">
+              <a:t>Leeuwen</a:t>
+            </a:r>
+            <a:r>
+              <a:rPr lang="en-US" sz="1800" b="1" dirty="0" smtClean="0">
                 <a:solidFill>
                   <a:schemeClr val="tx1">
                     <a:lumMod val="85000"/>
@@ -4031,9 +3634,9 @@
                 </a:solidFill>
                 <a:latin typeface="Stencil" panose="040409050D0802020404" pitchFamily="82" charset="0"/>
               </a:rPr>
-              <a:t/>
-            </a:r>
-            <a:br>
+              <a:t> – Art</a:t>
+            </a:r>
+            <a:r>
               <a:rPr lang="en-US" sz="1800" b="1" dirty="0">
                 <a:solidFill>
                   <a:schemeClr val="tx1">
@@ -4043,9 +3646,10 @@
                 </a:solidFill>
                 <a:latin typeface="Stencil" panose="040409050D0802020404" pitchFamily="82" charset="0"/>
               </a:rPr>
-            </a:br>
-            <a:r>
-              <a:rPr lang="en-US" sz="1800" b="1" dirty="0" err="1" smtClean="0">
+              <a:t/>
+            </a:r>
+            <a:br>
+              <a:rPr lang="en-US" sz="1800" b="1" dirty="0">
                 <a:solidFill>
                   <a:schemeClr val="tx1">
                     <a:lumMod val="85000"/>
@@ -4054,10 +3658,9 @@
                 </a:solidFill>
                 <a:latin typeface="Stencil" panose="040409050D0802020404" pitchFamily="82" charset="0"/>
               </a:rPr>
-              <a:t>Nirish</a:t>
-            </a:r>
-            <a:r>
-              <a:rPr lang="en-US" sz="1800" b="1" dirty="0" smtClean="0">
+            </a:br>
+            <a:r>
+              <a:rPr lang="en-US" sz="1800" b="1" dirty="0" err="1" smtClean="0">
                 <a:solidFill>
                   <a:schemeClr val="tx1">
                     <a:lumMod val="85000"/>
@@ -4066,10 +3669,10 @@
                 </a:solidFill>
                 <a:latin typeface="Stencil" panose="040409050D0802020404" pitchFamily="82" charset="0"/>
               </a:rPr>
-              <a:t> </a:t>
-            </a:r>
-            <a:r>
-              <a:rPr lang="en-US" sz="1800" b="1" dirty="0" err="1" smtClean="0">
+              <a:t>Nirish</a:t>
+            </a:r>
+            <a:r>
+              <a:rPr lang="en-US" sz="1800" b="1" dirty="0" smtClean="0">
                 <a:solidFill>
                   <a:schemeClr val="tx1">
                     <a:lumMod val="85000"/>
@@ -4078,10 +3681,10 @@
                 </a:solidFill>
                 <a:latin typeface="Stencil" panose="040409050D0802020404" pitchFamily="82" charset="0"/>
               </a:rPr>
-              <a:t>Alakhramsing</a:t>
-            </a:r>
-            <a:r>
-              <a:rPr lang="en-US" sz="1800" b="1" dirty="0" smtClean="0">
+              <a:t> </a:t>
+            </a:r>
+            <a:r>
+              <a:rPr lang="en-US" sz="1800" b="1" dirty="0" err="1" smtClean="0">
                 <a:solidFill>
                   <a:schemeClr val="tx1">
                     <a:lumMod val="85000"/>
@@ -4090,9 +3693,9 @@
                 </a:solidFill>
                 <a:latin typeface="Stencil" panose="040409050D0802020404" pitchFamily="82" charset="0"/>
               </a:rPr>
-              <a:t> – Programming</a:t>
-            </a:r>
-            <a:br>
+              <a:t>Alakhramsing</a:t>
+            </a:r>
+            <a:r>
               <a:rPr lang="en-US" sz="1800" b="1" dirty="0" smtClean="0">
                 <a:solidFill>
                   <a:schemeClr val="tx1">
@@ -4102,8 +3705,9 @@
                 </a:solidFill>
                 <a:latin typeface="Stencil" panose="040409050D0802020404" pitchFamily="82" charset="0"/>
               </a:rPr>
-            </a:br>
-            <a:r>
+              <a:t> – Programming</a:t>
+            </a:r>
+            <a:br>
               <a:rPr lang="en-US" sz="1800" b="1" dirty="0" smtClean="0">
                 <a:solidFill>
                   <a:schemeClr val="tx1">
@@ -4113,10 +3717,9 @@
                 </a:solidFill>
                 <a:latin typeface="Stencil" panose="040409050D0802020404" pitchFamily="82" charset="0"/>
               </a:rPr>
-              <a:t>Patrick </a:t>
-            </a:r>
-            <a:r>
-              <a:rPr lang="en-US" sz="1800" b="1" dirty="0" err="1" smtClean="0">
+            </a:br>
+            <a:r>
+              <a:rPr lang="en-US" sz="1800" b="1" dirty="0" smtClean="0">
                 <a:solidFill>
                   <a:schemeClr val="tx1">
                     <a:lumMod val="85000"/>
@@ -4125,10 +3728,10 @@
                 </a:solidFill>
                 <a:latin typeface="Stencil" panose="040409050D0802020404" pitchFamily="82" charset="0"/>
               </a:rPr>
-              <a:t>Aubroeck</a:t>
-            </a:r>
-            <a:r>
-              <a:rPr lang="en-US" sz="1800" b="1" dirty="0" smtClean="0">
+              <a:t>Patrick </a:t>
+            </a:r>
+            <a:r>
+              <a:rPr lang="en-US" sz="1800" b="1" dirty="0" err="1" smtClean="0">
                 <a:solidFill>
                   <a:schemeClr val="tx1">
                     <a:lumMod val="85000"/>
@@ -4137,9 +3740,9 @@
                 </a:solidFill>
                 <a:latin typeface="Stencil" panose="040409050D0802020404" pitchFamily="82" charset="0"/>
               </a:rPr>
-              <a:t> – Programming</a:t>
-            </a:r>
-            <a:br>
+              <a:t>Aubroeck</a:t>
+            </a:r>
+            <a:r>
               <a:rPr lang="en-US" sz="1800" b="1" dirty="0" smtClean="0">
                 <a:solidFill>
                   <a:schemeClr val="tx1">
@@ -4149,8 +3752,9 @@
                 </a:solidFill>
                 <a:latin typeface="Stencil" panose="040409050D0802020404" pitchFamily="82" charset="0"/>
               </a:rPr>
-            </a:br>
-            <a:r>
+              <a:t> – Programming</a:t>
+            </a:r>
+            <a:br>
               <a:rPr lang="en-US" sz="1800" b="1" dirty="0" smtClean="0">
                 <a:solidFill>
                   <a:schemeClr val="tx1">
@@ -4160,7 +3764,30 @@
                 </a:solidFill>
                 <a:latin typeface="Stencil" panose="040409050D0802020404" pitchFamily="82" charset="0"/>
               </a:rPr>
-              <a:t>Kees van der Sluis - Production</a:t>
+            </a:br>
+            <a:r>
+              <a:rPr lang="en-US" sz="1800" b="1" dirty="0" smtClean="0">
+                <a:solidFill>
+                  <a:schemeClr val="tx1">
+                    <a:lumMod val="85000"/>
+                    <a:lumOff val="15000"/>
+                  </a:schemeClr>
+                </a:solidFill>
+                <a:latin typeface="Stencil" panose="040409050D0802020404" pitchFamily="82" charset="0"/>
+              </a:rPr>
+              <a:t>Kees van der Sluis </a:t>
+            </a:r>
+            <a:r>
+              <a:rPr lang="en-US" sz="1800" b="1" dirty="0" smtClean="0">
+                <a:solidFill>
+                  <a:schemeClr val="tx1">
+                    <a:lumMod val="85000"/>
+                    <a:lumOff val="15000"/>
+                  </a:schemeClr>
+                </a:solidFill>
+                <a:latin typeface="Stencil" panose="040409050D0802020404" pitchFamily="82" charset="0"/>
+              </a:rPr>
+              <a:t>– Production/design</a:t>
             </a:r>
             <a:endParaRPr lang="en-US" sz="1800" dirty="0" smtClean="0">
               <a:solidFill>
@@ -4466,8 +4093,11 @@
               <a:rPr lang="en-US" dirty="0" smtClean="0">
                 <a:latin typeface="Baskerville Old Face" panose="02020602080505020303" pitchFamily="18" charset="0"/>
               </a:rPr>
-              <a:t>“The NFF desires an interesting game, revolving around the NFF, assuming to increase interest in the NFF.”</a:t>
-            </a:r>
+              <a:t>“The player creates their own short documentary, about the activities of the NFF in the hopes of winning a Golden Calf.”</a:t>
+            </a:r>
+            <a:endParaRPr lang="en-US" dirty="0" smtClean="0">
+              <a:latin typeface="Baskerville Old Face" panose="02020602080505020303" pitchFamily="18" charset="0"/>
+            </a:endParaRPr>
           </a:p>
         </p:txBody>
       </p:sp>
@@ -4558,7 +4188,7 @@
                 </a:solidFill>
                 <a:latin typeface="Algerian" panose="04020705040A02060702" pitchFamily="82" charset="0"/>
               </a:rPr>
-              <a:t>Concept – Design</a:t>
+              <a:t>Design</a:t>
             </a:r>
             <a:endParaRPr lang="en-US" dirty="0">
               <a:solidFill>
@@ -4606,7 +4236,7 @@
               <a:rPr lang="en-US" b="1" dirty="0" smtClean="0">
                 <a:latin typeface="Baskerville Old Face" panose="02020602080505020303" pitchFamily="18" charset="0"/>
               </a:rPr>
-              <a:t>Main goal: </a:t>
+              <a:t>Genre:</a:t>
             </a:r>
             <a:br>
               <a:rPr lang="en-US" b="1" dirty="0" smtClean="0">
@@ -4617,7 +4247,7 @@
               <a:rPr lang="en-US" b="1" dirty="0" smtClean="0">
                 <a:latin typeface="Baskerville Old Face" panose="02020602080505020303" pitchFamily="18" charset="0"/>
               </a:rPr>
-              <a:t>Inform the target audience about the NFF and its activities.</a:t>
+              <a:t>First-person puzzle platformer.</a:t>
             </a:r>
           </a:p>
           <a:p>
@@ -4636,7 +4266,7 @@
               <a:rPr lang="en-US" b="1" dirty="0" smtClean="0">
                 <a:latin typeface="Baskerville Old Face" panose="02020602080505020303" pitchFamily="18" charset="0"/>
               </a:rPr>
-              <a:t>Target Audience: </a:t>
+              <a:t>Core experience: </a:t>
             </a:r>
             <a:br>
               <a:rPr lang="en-US" b="1" dirty="0" smtClean="0">
@@ -4647,7 +4277,19 @@
               <a:rPr lang="en-US" b="1" dirty="0" smtClean="0">
                 <a:latin typeface="Baskerville Old Face" panose="02020602080505020303" pitchFamily="18" charset="0"/>
               </a:rPr>
-              <a:t>Young students, age 15 +/-  </a:t>
+              <a:t>The player uses spatial awareness </a:t>
+            </a:r>
+            <a:r>
+              <a:rPr lang="en-US" b="1" dirty="0" smtClean="0">
+                <a:latin typeface="Baskerville Old Face" panose="02020602080505020303" pitchFamily="18" charset="0"/>
+              </a:rPr>
+              <a:t>to explore and </a:t>
+            </a:r>
+            <a:r>
+              <a:rPr lang="en-US" b="1" dirty="0" smtClean="0">
+                <a:latin typeface="Baskerville Old Face" panose="02020602080505020303" pitchFamily="18" charset="0"/>
+              </a:rPr>
+              <a:t>traverse a safe obstacle course. </a:t>
             </a:r>
             <a:br>
               <a:rPr lang="en-US" b="1" dirty="0" smtClean="0">
@@ -4663,7 +4305,7 @@
     </p:spTree>
     <p:extLst>
       <p:ext uri="{BB962C8B-B14F-4D97-AF65-F5344CB8AC3E}">
-        <p14:creationId xmlns:p14="http://schemas.microsoft.com/office/powerpoint/2010/main" val="2897399453"/>
+        <p14:creationId xmlns:p14="http://schemas.microsoft.com/office/powerpoint/2010/main" val="677695759"/>
       </p:ext>
     </p:extLst>
   </p:cSld>
@@ -4747,7 +4389,7 @@
                 </a:solidFill>
                 <a:latin typeface="Algerian" panose="04020705040A02060702" pitchFamily="82" charset="0"/>
               </a:rPr>
-              <a:t>Concept – Design</a:t>
+              <a:t>Design</a:t>
             </a:r>
             <a:endParaRPr lang="en-US" dirty="0">
               <a:solidFill>
@@ -4776,7 +4418,7 @@
         </p:spPr>
         <p:txBody>
           <a:bodyPr>
-            <a:normAutofit/>
+            <a:normAutofit lnSpcReduction="10000"/>
           </a:bodyPr>
           <a:lstStyle/>
           <a:p>
@@ -4795,7 +4437,13 @@
               <a:rPr lang="en-US" b="1" dirty="0" smtClean="0">
                 <a:latin typeface="Baskerville Old Face" panose="02020602080505020303" pitchFamily="18" charset="0"/>
               </a:rPr>
-              <a:t>Genre:</a:t>
+              <a:t>Main mechanic: </a:t>
+            </a:r>
+            <a:r>
+              <a:rPr lang="en-US" b="1" dirty="0" smtClean="0">
+                <a:latin typeface="Baskerville Old Face" panose="02020602080505020303" pitchFamily="18" charset="0"/>
+              </a:rPr>
+              <a:t/>
             </a:r>
             <a:br>
               <a:rPr lang="en-US" b="1" dirty="0" smtClean="0">
@@ -4806,8 +4454,11 @@
               <a:rPr lang="en-US" b="1" dirty="0" smtClean="0">
                 <a:latin typeface="Baskerville Old Face" panose="02020602080505020303" pitchFamily="18" charset="0"/>
               </a:rPr>
-              <a:t>First-person puzzle platformer.</a:t>
-            </a:r>
+              <a:t>Finding and recording useable objects, and placing copies of these objects to traverse an obstacle course. </a:t>
+            </a:r>
+            <a:endParaRPr lang="en-US" b="1" dirty="0" smtClean="0">
+              <a:latin typeface="Baskerville Old Face" panose="02020602080505020303" pitchFamily="18" charset="0"/>
+            </a:endParaRPr>
           </a:p>
           <a:p>
             <a:pPr marL="0" indent="0">
@@ -4836,7 +4487,13 @@
               <a:rPr lang="en-US" b="1" dirty="0" smtClean="0">
                 <a:latin typeface="Baskerville Old Face" panose="02020602080505020303" pitchFamily="18" charset="0"/>
               </a:rPr>
-              <a:t>The player uses spatial awareness to traverse a safe obstacle course. </a:t>
+              <a:t>The player is encouraged to explore and find the interesting points in the environment, which in turn share information on the NFF. </a:t>
+            </a:r>
+            <a:r>
+              <a:rPr lang="en-US" b="1" dirty="0" smtClean="0">
+                <a:latin typeface="Baskerville Old Face" panose="02020602080505020303" pitchFamily="18" charset="0"/>
+              </a:rPr>
+              <a:t/>
             </a:r>
             <a:br>
               <a:rPr lang="en-US" b="1" dirty="0" smtClean="0">
@@ -4852,7 +4509,7 @@
     </p:spTree>
     <p:extLst>
       <p:ext uri="{BB962C8B-B14F-4D97-AF65-F5344CB8AC3E}">
-        <p14:creationId xmlns:p14="http://schemas.microsoft.com/office/powerpoint/2010/main" val="677695759"/>
+        <p14:creationId xmlns:p14="http://schemas.microsoft.com/office/powerpoint/2010/main" val="4227142008"/>
       </p:ext>
     </p:extLst>
   </p:cSld>
@@ -4936,7 +4593,7 @@
                 </a:solidFill>
                 <a:latin typeface="Algerian" panose="04020705040A02060702" pitchFamily="82" charset="0"/>
               </a:rPr>
-              <a:t>Concept – Design</a:t>
+              <a:t>ART</a:t>
             </a:r>
             <a:endParaRPr lang="en-US" dirty="0">
               <a:solidFill>
@@ -4972,7 +4629,7 @@
             <a:pPr marL="0" indent="0">
               <a:buNone/>
             </a:pPr>
-            <a:endParaRPr lang="en-US" b="1" dirty="0" smtClean="0">
+            <a:endParaRPr lang="en-US" b="1" dirty="0">
               <a:latin typeface="Baskerville Old Face" panose="02020602080505020303" pitchFamily="18" charset="0"/>
             </a:endParaRPr>
           </a:p>
@@ -4984,7 +4641,7 @@
               <a:rPr lang="en-US" b="1" dirty="0" smtClean="0">
                 <a:latin typeface="Baskerville Old Face" panose="02020602080505020303" pitchFamily="18" charset="0"/>
               </a:rPr>
-              <a:t>Main Activity: </a:t>
+              <a:t>Location: </a:t>
             </a:r>
             <a:br>
               <a:rPr lang="en-US" b="1" dirty="0" smtClean="0">
@@ -4995,7 +4652,19 @@
               <a:rPr lang="en-US" b="1" dirty="0" smtClean="0">
                 <a:latin typeface="Baskerville Old Face" panose="02020602080505020303" pitchFamily="18" charset="0"/>
               </a:rPr>
-              <a:t>Finding useable objects, and applying them to traverse the levels. </a:t>
+              <a:t>Interior of a </a:t>
+            </a:r>
+            <a:r>
+              <a:rPr lang="en-US" b="1" dirty="0" smtClean="0">
+                <a:latin typeface="Baskerville Old Face" panose="02020602080505020303" pitchFamily="18" charset="0"/>
+              </a:rPr>
+              <a:t>simplistic Dom </a:t>
+            </a:r>
+            <a:r>
+              <a:rPr lang="en-US" b="1" dirty="0" smtClean="0">
+                <a:latin typeface="Baskerville Old Face" panose="02020602080505020303" pitchFamily="18" charset="0"/>
+              </a:rPr>
+              <a:t>tower parody.</a:t>
             </a:r>
           </a:p>
           <a:p>
@@ -5014,18 +4683,18 @@
               <a:rPr lang="en-US" b="1" dirty="0" smtClean="0">
                 <a:latin typeface="Baskerville Old Face" panose="02020602080505020303" pitchFamily="18" charset="0"/>
               </a:rPr>
-              <a:t>Additional encouragement: </a:t>
-            </a:r>
-            <a:br>
+              <a:t>Style:</a:t>
+            </a:r>
+          </a:p>
+          <a:p>
+            <a:pPr marL="0" indent="0">
+              <a:buNone/>
+            </a:pPr>
+            <a:r>
               <a:rPr lang="en-US" b="1" dirty="0" smtClean="0">
                 <a:latin typeface="Baskerville Old Face" panose="02020602080505020303" pitchFamily="18" charset="0"/>
               </a:rPr>
-            </a:br>
-            <a:r>
-              <a:rPr lang="en-US" b="1" dirty="0" smtClean="0">
-                <a:latin typeface="Baskerville Old Face" panose="02020602080505020303" pitchFamily="18" charset="0"/>
-              </a:rPr>
-              <a:t>Level progression is timed, and an extra achievement for finding all the audio spots in the level is awarded to the player (Golden Calf). </a:t>
+              <a:t>Simple Artistic</a:t>
             </a:r>
             <a:br>
               <a:rPr lang="en-US" b="1" dirty="0" smtClean="0">
@@ -5041,7 +4710,7 @@
     </p:spTree>
     <p:extLst>
       <p:ext uri="{BB962C8B-B14F-4D97-AF65-F5344CB8AC3E}">
-        <p14:creationId xmlns:p14="http://schemas.microsoft.com/office/powerpoint/2010/main" val="600832021"/>
+        <p14:creationId xmlns:p14="http://schemas.microsoft.com/office/powerpoint/2010/main" val="4209628455"/>
       </p:ext>
     </p:extLst>
   </p:cSld>
@@ -5125,7 +4794,7 @@
                 </a:solidFill>
                 <a:latin typeface="Algerian" panose="04020705040A02060702" pitchFamily="82" charset="0"/>
               </a:rPr>
-              <a:t>Concept – ART</a:t>
+              <a:t>Programming</a:t>
             </a:r>
             <a:endParaRPr lang="en-US" dirty="0">
               <a:solidFill>
@@ -5173,7 +4842,18 @@
               <a:rPr lang="en-US" b="1" dirty="0" smtClean="0">
                 <a:latin typeface="Baskerville Old Face" panose="02020602080505020303" pitchFamily="18" charset="0"/>
               </a:rPr>
-              <a:t>Location: </a:t>
+              <a:t>Interesting challenges: </a:t>
+            </a:r>
+          </a:p>
+          <a:p>
+            <a:pPr marL="0" indent="0">
+              <a:buNone/>
+            </a:pPr>
+            <a:r>
+              <a:rPr lang="en-US" b="1" dirty="0" smtClean="0">
+                <a:latin typeface="Baskerville Old Face" panose="02020602080505020303" pitchFamily="18" charset="0"/>
+              </a:rPr>
+              <a:t/>
             </a:r>
             <a:br>
               <a:rPr lang="en-US" b="1" dirty="0" smtClean="0">
@@ -5184,37 +4864,35 @@
               <a:rPr lang="en-US" b="1" dirty="0" smtClean="0">
                 <a:latin typeface="Baskerville Old Face" panose="02020602080505020303" pitchFamily="18" charset="0"/>
               </a:rPr>
-              <a:t>Interior of a Dom tower parody.</a:t>
-            </a:r>
-          </a:p>
-          <a:p>
-            <a:pPr marL="0" indent="0">
-              <a:buNone/>
-            </a:pPr>
-            <a:endParaRPr lang="en-US" b="1" dirty="0">
-              <a:latin typeface="Baskerville Old Face" panose="02020602080505020303" pitchFamily="18" charset="0"/>
-            </a:endParaRPr>
-          </a:p>
-          <a:p>
-            <a:pPr marL="0" indent="0">
-              <a:buNone/>
-            </a:pPr>
-            <a:r>
+              <a:t> 	- Object recognition</a:t>
+            </a:r>
+            <a:br>
               <a:rPr lang="en-US" b="1" dirty="0" smtClean="0">
                 <a:latin typeface="Baskerville Old Face" panose="02020602080505020303" pitchFamily="18" charset="0"/>
               </a:rPr>
-              <a:t>Style:</a:t>
-            </a:r>
-          </a:p>
-          <a:p>
-            <a:pPr marL="0" indent="0">
-              <a:buNone/>
-            </a:pPr>
+            </a:br>
             <a:r>
               <a:rPr lang="en-US" b="1" dirty="0" smtClean="0">
                 <a:latin typeface="Baskerville Old Face" panose="02020602080505020303" pitchFamily="18" charset="0"/>
               </a:rPr>
-              <a:t>Simple Artistic</a:t>
+              <a:t>	</a:t>
+            </a:r>
+            <a:br>
+              <a:rPr lang="en-US" b="1" dirty="0" smtClean="0">
+                <a:latin typeface="Baskerville Old Face" panose="02020602080505020303" pitchFamily="18" charset="0"/>
+              </a:rPr>
+            </a:br>
+            <a:r>
+              <a:rPr lang="en-US" b="1" dirty="0" smtClean="0">
+                <a:latin typeface="Baskerville Old Face" panose="02020602080505020303" pitchFamily="18" charset="0"/>
+              </a:rPr>
+              <a:t>	- Additional </a:t>
+            </a:r>
+            <a:r>
+              <a:rPr lang="en-US" b="1" dirty="0" smtClean="0">
+                <a:latin typeface="Baskerville Old Face" panose="02020602080505020303" pitchFamily="18" charset="0"/>
+              </a:rPr>
+              <a:t>camera functionality</a:t>
             </a:r>
             <a:br>
               <a:rPr lang="en-US" b="1" dirty="0" smtClean="0">
@@ -5230,7 +4908,7 @@
     </p:spTree>
     <p:extLst>
       <p:ext uri="{BB962C8B-B14F-4D97-AF65-F5344CB8AC3E}">
-        <p14:creationId xmlns:p14="http://schemas.microsoft.com/office/powerpoint/2010/main" val="4209628455"/>
+        <p14:creationId xmlns:p14="http://schemas.microsoft.com/office/powerpoint/2010/main" val="967959770"/>
       </p:ext>
     </p:extLst>
   </p:cSld>
@@ -5294,29 +4972,40 @@
             <a:spLocks noGrp="1"/>
           </p:cNvSpPr>
           <p:nvPr>
-            <p:ph type="title"/>
+            <p:ph type="ctrTitle"/>
           </p:nvPr>
         </p:nvSpPr>
         <p:spPr>
           <a:xfrm>
-            <a:off x="838200" y="157308"/>
-            <a:ext cx="10515600" cy="861002"/>
+            <a:off x="-93518" y="0"/>
+            <a:ext cx="6078682" cy="935183"/>
           </a:xfrm>
         </p:spPr>
         <p:txBody>
-          <a:bodyPr/>
-          <a:lstStyle/>
-          <a:p>
-            <a:r>
-              <a:rPr lang="en-US" dirty="0" smtClean="0">
+          <a:bodyPr>
+            <a:normAutofit/>
+          </a:bodyPr>
+          <a:lstStyle/>
+          <a:p>
+            <a:r>
+              <a:rPr lang="en-US" sz="4400" dirty="0" smtClean="0">
                 <a:solidFill>
                   <a:schemeClr val="bg2"/>
                 </a:solidFill>
                 <a:latin typeface="Algerian" panose="04020705040A02060702" pitchFamily="82" charset="0"/>
               </a:rPr>
-              <a:t>Programming</a:t>
-            </a:r>
-            <a:endParaRPr lang="en-US" dirty="0">
+              <a:t>Business </a:t>
+            </a:r>
+            <a:r>
+              <a:rPr lang="en-US" sz="4400" dirty="0" smtClean="0">
+                <a:solidFill>
+                  <a:schemeClr val="bg2"/>
+                </a:solidFill>
+                <a:latin typeface="Algerian" panose="04020705040A02060702" pitchFamily="82" charset="0"/>
+              </a:rPr>
+              <a:t>plan 1</a:t>
+            </a:r>
+            <a:endParaRPr lang="en-US" sz="4400" dirty="0">
               <a:solidFill>
                 <a:schemeClr val="bg2"/>
               </a:solidFill>
@@ -5327,90 +5016,78 @@
       </p:sp>
       <p:sp>
         <p:nvSpPr>
-          <p:cNvPr id="3" name="Content Placeholder 2"/>
-          <p:cNvSpPr>
-            <a:spLocks noGrp="1"/>
-          </p:cNvSpPr>
-          <p:nvPr>
-            <p:ph idx="1"/>
-          </p:nvPr>
+          <p:cNvPr id="6" name="TextBox 5"/>
+          <p:cNvSpPr txBox="1"/>
+          <p:nvPr/>
         </p:nvSpPr>
         <p:spPr>
           <a:xfrm>
-            <a:off x="1004455" y="1662545"/>
-            <a:ext cx="10515600" cy="3594244"/>
+            <a:off x="2521527" y="2023786"/>
+            <a:ext cx="7148945" cy="3262432"/>
           </a:xfrm>
+          <a:prstGeom prst="rect">
+            <a:avLst/>
+          </a:prstGeom>
+          <a:noFill/>
         </p:spPr>
         <p:txBody>
-          <a:bodyPr>
-            <a:normAutofit/>
+          <a:bodyPr wrap="square" rtlCol="0">
+            <a:spAutoFit/>
           </a:bodyPr>
           <a:lstStyle/>
           <a:p>
-            <a:pPr marL="0" indent="0">
-              <a:buNone/>
-            </a:pPr>
-            <a:endParaRPr lang="en-US" b="1" dirty="0">
+            <a:pPr algn="ctr"/>
+            <a:r>
+              <a:rPr lang="en-US" sz="3200" dirty="0" smtClean="0">
+                <a:latin typeface="Stencil" panose="040409050D0802020404" pitchFamily="82" charset="0"/>
+              </a:rPr>
+              <a:t>Gamification &amp; Entertainment company</a:t>
+            </a:r>
+          </a:p>
+          <a:p>
+            <a:pPr algn="ctr"/>
+            <a:r>
+              <a:rPr lang="en-US" sz="2000" dirty="0" smtClean="0">
+                <a:latin typeface="Baskerville Old Face" panose="02020602080505020303" pitchFamily="18" charset="0"/>
+              </a:rPr>
+              <a:t/>
+            </a:r>
+            <a:br>
+              <a:rPr lang="en-US" sz="2000" dirty="0" smtClean="0">
+                <a:latin typeface="Baskerville Old Face" panose="02020602080505020303" pitchFamily="18" charset="0"/>
+              </a:rPr>
+            </a:br>
+            <a:r>
+              <a:rPr lang="en-US" sz="2000" dirty="0" smtClean="0">
+                <a:latin typeface="Baskerville Old Face" panose="02020602080505020303" pitchFamily="18" charset="0"/>
+              </a:rPr>
+              <a:t>“De Bronze </a:t>
+            </a:r>
+            <a:r>
+              <a:rPr lang="en-US" sz="2000" dirty="0" err="1" smtClean="0">
+                <a:latin typeface="Baskerville Old Face" panose="02020602080505020303" pitchFamily="18" charset="0"/>
+              </a:rPr>
+              <a:t>Koe</a:t>
+            </a:r>
+            <a:r>
+              <a:rPr lang="en-US" sz="2000" dirty="0" smtClean="0">
+                <a:latin typeface="Baskerville Old Face" panose="02020602080505020303" pitchFamily="18" charset="0"/>
+              </a:rPr>
+              <a:t> applies the process of Gamification on client requests. Gamification can be applied to solve a wide range of issues by applying existing patterns which are customized to fit a client’s needs.” </a:t>
+            </a:r>
+          </a:p>
+          <a:p>
+            <a:endParaRPr lang="en-US" sz="1400" dirty="0" smtClean="0">
               <a:latin typeface="Baskerville Old Face" panose="02020602080505020303" pitchFamily="18" charset="0"/>
             </a:endParaRPr>
           </a:p>
           <a:p>
-            <a:pPr marL="0" indent="0">
-              <a:buNone/>
-            </a:pPr>
-            <a:r>
-              <a:rPr lang="en-US" b="1" dirty="0" smtClean="0">
-                <a:latin typeface="Baskerville Old Face" panose="02020602080505020303" pitchFamily="18" charset="0"/>
-              </a:rPr>
-              <a:t>Location: </a:t>
-            </a:r>
-            <a:br>
-              <a:rPr lang="en-US" b="1" dirty="0" smtClean="0">
-                <a:latin typeface="Baskerville Old Face" panose="02020602080505020303" pitchFamily="18" charset="0"/>
-              </a:rPr>
-            </a:br>
-            <a:r>
-              <a:rPr lang="en-US" b="1" dirty="0" smtClean="0">
-                <a:latin typeface="Baskerville Old Face" panose="02020602080505020303" pitchFamily="18" charset="0"/>
-              </a:rPr>
-              <a:t>Object recognition</a:t>
-            </a:r>
-          </a:p>
-          <a:p>
-            <a:pPr marL="0" indent="0">
-              <a:buNone/>
-            </a:pPr>
-            <a:endParaRPr lang="en-US" b="1" dirty="0">
+            <a:endParaRPr lang="en-US" sz="1400" dirty="0">
               <a:latin typeface="Baskerville Old Face" panose="02020602080505020303" pitchFamily="18" charset="0"/>
             </a:endParaRPr>
           </a:p>
           <a:p>
-            <a:pPr marL="0" indent="0">
-              <a:buNone/>
-            </a:pPr>
-            <a:r>
-              <a:rPr lang="en-US" b="1" dirty="0" smtClean="0">
-                <a:latin typeface="Baskerville Old Face" panose="02020602080505020303" pitchFamily="18" charset="0"/>
-              </a:rPr>
-              <a:t>Style:</a:t>
-            </a:r>
-          </a:p>
-          <a:p>
-            <a:pPr marL="0" indent="0">
-              <a:buNone/>
-            </a:pPr>
-            <a:r>
-              <a:rPr lang="en-US" b="1" dirty="0" smtClean="0">
-                <a:latin typeface="Baskerville Old Face" panose="02020602080505020303" pitchFamily="18" charset="0"/>
-              </a:rPr>
-              <a:t>Additional camera functionality</a:t>
-            </a:r>
-            <a:br>
-              <a:rPr lang="en-US" b="1" dirty="0" smtClean="0">
-                <a:latin typeface="Baskerville Old Face" panose="02020602080505020303" pitchFamily="18" charset="0"/>
-              </a:rPr>
-            </a:br>
-            <a:endParaRPr lang="en-US" dirty="0" smtClean="0">
+            <a:endParaRPr lang="en-US" sz="1400" dirty="0">
               <a:latin typeface="Baskerville Old Face" panose="02020602080505020303" pitchFamily="18" charset="0"/>
             </a:endParaRPr>
           </a:p>
@@ -5419,7 +5096,7 @@
     </p:spTree>
     <p:extLst>
       <p:ext uri="{BB962C8B-B14F-4D97-AF65-F5344CB8AC3E}">
-        <p14:creationId xmlns:p14="http://schemas.microsoft.com/office/powerpoint/2010/main" val="967959770"/>
+        <p14:creationId xmlns:p14="http://schemas.microsoft.com/office/powerpoint/2010/main" val="428742397"/>
       </p:ext>
     </p:extLst>
   </p:cSld>
@@ -5505,7 +5182,16 @@
                 </a:solidFill>
                 <a:latin typeface="Algerian" panose="04020705040A02060702" pitchFamily="82" charset="0"/>
               </a:rPr>
-              <a:t>Business plan</a:t>
+              <a:t>Business </a:t>
+            </a:r>
+            <a:r>
+              <a:rPr lang="en-US" sz="4400" dirty="0" smtClean="0">
+                <a:solidFill>
+                  <a:schemeClr val="bg2"/>
+                </a:solidFill>
+                <a:latin typeface="Algerian" panose="04020705040A02060702" pitchFamily="82" charset="0"/>
+              </a:rPr>
+              <a:t>plan 2</a:t>
             </a:r>
             <a:endParaRPr lang="en-US" sz="4400" dirty="0">
               <a:solidFill>
@@ -5524,8 +5210,8 @@
         </p:nvSpPr>
         <p:spPr>
           <a:xfrm>
-            <a:off x="2521527" y="2023786"/>
-            <a:ext cx="7148945" cy="3262432"/>
+            <a:off x="-628650" y="1732238"/>
+            <a:ext cx="7148945" cy="1538883"/>
           </a:xfrm>
           <a:prstGeom prst="rect">
             <a:avLst/>
@@ -5543,8 +5229,11 @@
               <a:rPr lang="en-US" sz="3200" dirty="0" smtClean="0">
                 <a:latin typeface="Stencil" panose="040409050D0802020404" pitchFamily="82" charset="0"/>
               </a:rPr>
-              <a:t>Gamification &amp; Entertainment company</a:t>
-            </a:r>
+              <a:t>Full retail </a:t>
+            </a:r>
+            <a:endParaRPr lang="en-US" sz="3200" dirty="0" smtClean="0">
+              <a:latin typeface="Stencil" panose="040409050D0802020404" pitchFamily="82" charset="0"/>
+            </a:endParaRPr>
           </a:p>
           <a:p>
             <a:pPr algn="ctr"/>
@@ -5559,26 +5248,6 @@
                 <a:latin typeface="Baskerville Old Face" panose="02020602080505020303" pitchFamily="18" charset="0"/>
               </a:rPr>
             </a:br>
-            <a:r>
-              <a:rPr lang="en-US" sz="2000" dirty="0" smtClean="0">
-                <a:latin typeface="Baskerville Old Face" panose="02020602080505020303" pitchFamily="18" charset="0"/>
-              </a:rPr>
-              <a:t>“De Bronze </a:t>
-            </a:r>
-            <a:r>
-              <a:rPr lang="en-US" sz="2000" dirty="0" err="1" smtClean="0">
-                <a:latin typeface="Baskerville Old Face" panose="02020602080505020303" pitchFamily="18" charset="0"/>
-              </a:rPr>
-              <a:t>Koe</a:t>
-            </a:r>
-            <a:r>
-              <a:rPr lang="en-US" sz="2000" dirty="0" smtClean="0">
-                <a:latin typeface="Baskerville Old Face" panose="02020602080505020303" pitchFamily="18" charset="0"/>
-              </a:rPr>
-              <a:t> applies the process of Gamification on client requests. Gamification can be applied to solve a wide range of issues by applying existing patterns which are customized to fit a client’s needs.” </a:t>
-            </a:r>
-          </a:p>
-          <a:p>
             <a:endParaRPr lang="en-US" sz="1400" dirty="0" smtClean="0">
               <a:latin typeface="Baskerville Old Face" panose="02020602080505020303" pitchFamily="18" charset="0"/>
             </a:endParaRPr>
@@ -5595,10 +5264,98 @@
           </a:p>
         </p:txBody>
       </p:sp>
+      <p:sp>
+        <p:nvSpPr>
+          <p:cNvPr id="3" name="TextBox 2"/>
+          <p:cNvSpPr txBox="1"/>
+          <p:nvPr/>
+        </p:nvSpPr>
+        <p:spPr>
+          <a:xfrm>
+            <a:off x="1669774" y="2379471"/>
+            <a:ext cx="8044070" cy="3139321"/>
+          </a:xfrm>
+          <a:prstGeom prst="rect">
+            <a:avLst/>
+          </a:prstGeom>
+          <a:noFill/>
+        </p:spPr>
+        <p:txBody>
+          <a:bodyPr wrap="square" rtlCol="0">
+            <a:spAutoFit/>
+          </a:bodyPr>
+          <a:lstStyle/>
+          <a:p>
+            <a:r>
+              <a:rPr lang="en-US" dirty="0" smtClean="0"/>
+              <a:t>Narrative is interchangeable.</a:t>
+            </a:r>
+            <a:br>
+              <a:rPr lang="en-US" dirty="0" smtClean="0"/>
+            </a:br>
+            <a:r>
+              <a:rPr lang="en-US" dirty="0" smtClean="0"/>
+              <a:t/>
+            </a:r>
+            <a:br>
+              <a:rPr lang="en-US" dirty="0" smtClean="0"/>
+            </a:br>
+            <a:r>
+              <a:rPr lang="en-US" dirty="0" smtClean="0"/>
+              <a:t>Easily expandable – New objects with new mechanics</a:t>
+            </a:r>
+          </a:p>
+          <a:p>
+            <a:endParaRPr lang="en-US" dirty="0"/>
+          </a:p>
+          <a:p>
+            <a:r>
+              <a:rPr lang="en-US" dirty="0" smtClean="0"/>
+              <a:t>DLC packs with extra levels, different buildings and different mechanics.</a:t>
+            </a:r>
+          </a:p>
+          <a:p>
+            <a:endParaRPr lang="en-US" dirty="0"/>
+          </a:p>
+          <a:p>
+            <a:r>
+              <a:rPr lang="en-US" dirty="0" smtClean="0"/>
+              <a:t>Custom level editor with existing mechanics.</a:t>
+            </a:r>
+          </a:p>
+          <a:p>
+            <a:endParaRPr lang="en-US" dirty="0"/>
+          </a:p>
+          <a:p>
+            <a:r>
+              <a:rPr lang="en-US" b="1" dirty="0" smtClean="0"/>
+              <a:t>Main Risk: </a:t>
+            </a:r>
+            <a:r>
+              <a:rPr lang="en-US" dirty="0" smtClean="0"/>
+              <a:t>Feature Creep, and Incongruous levels.</a:t>
+            </a:r>
+          </a:p>
+          <a:p>
+            <a:endParaRPr lang="en-US" dirty="0" smtClean="0"/>
+          </a:p>
+          <a:p>
+            <a:r>
+              <a:rPr lang="en-US" b="1" dirty="0" smtClean="0"/>
+              <a:t>Comparable Competitor: </a:t>
+            </a:r>
+            <a:r>
+              <a:rPr lang="en-US" dirty="0" smtClean="0"/>
+              <a:t>Quantum Conundrum</a:t>
+            </a:r>
+            <a:endParaRPr lang="en-US" b="1" dirty="0"/>
+          </a:p>
+        </p:txBody>
+      </p:sp>
     </p:spTree>
     <p:extLst>
       <p:ext uri="{BB962C8B-B14F-4D97-AF65-F5344CB8AC3E}">
-        <p14:creationId xmlns:p14="http://schemas.microsoft.com/office/powerpoint/2010/main" val="428742397"/>
+        <p14:creationId xmlns:p14="http://schemas.microsoft.com/office/powerpoint/2010/main" val="628265402"/>
       </p:ext>
     </p:extLst>
   </p:cSld>
